--- a/ETC/Research about box packing problem.pptx
+++ b/ETC/Research about box packing problem.pptx
@@ -41,7 +41,7 @@
     <p:sldId id="300" r:id="rId32"/>
     <p:sldId id="264" r:id="rId33"/>
     <p:sldId id="293" r:id="rId34"/>
-    <p:sldId id="265" r:id="rId35"/>
+    <p:sldId id="301" r:id="rId35"/>
   </p:sldIdLst>
   <p:sldSz cx="9144000" cy="5715000" type="screen16x10"/>
   <p:notesSz cx="6858000" cy="9144000"/>
@@ -178,7 +178,7 @@
             <p14:sldId id="300"/>
             <p14:sldId id="264"/>
             <p14:sldId id="293"/>
-            <p14:sldId id="265"/>
+            <p14:sldId id="301"/>
           </p14:sldIdLst>
         </p14:section>
       </p14:sectionLst>
@@ -970,8 +970,19 @@
               <a:t>하지만 몇 가지 </a:t>
             </a:r>
             <a:r>
+              <a:rPr lang="en-US" altLang="ko-KR" baseline="0" dirty="0" err="1" smtClean="0"/>
+              <a:t>Heuri</a:t>
+            </a:r>
+            <a:endParaRPr lang="en-US" altLang="ko-KR" baseline="0" dirty="0" smtClean="0"/>
+          </a:p>
+          <a:p>
+            <a:r>
+              <a:rPr lang="en-US" altLang="ko-KR" baseline="0" dirty="0" err="1" smtClean="0"/>
+              <a:t>stic</a:t>
+            </a:r>
+            <a:r>
               <a:rPr lang="en-US" altLang="ko-KR" baseline="0" dirty="0" smtClean="0"/>
-              <a:t>Heuristic search</a:t>
+              <a:t> search</a:t>
             </a:r>
             <a:r>
               <a:rPr lang="ko-KR" altLang="en-US" baseline="0" dirty="0" smtClean="0"/>
@@ -991,7 +1002,32 @@
             </a:r>
             <a:r>
               <a:rPr lang="en-US" altLang="ko-KR" baseline="0" dirty="0" smtClean="0"/>
-              <a:t>.  </a:t>
+              <a:t>.</a:t>
+            </a:r>
+          </a:p>
+          <a:p>
+            <a:endParaRPr lang="en-US" altLang="ko-KR" baseline="0" dirty="0" smtClean="0"/>
+          </a:p>
+          <a:p>
+            <a:r>
+              <a:rPr lang="en-US" altLang="ko-KR" baseline="0" dirty="0" smtClean="0"/>
+              <a:t>Bin</a:t>
+            </a:r>
+            <a:r>
+              <a:rPr lang="ko-KR" altLang="en-US" baseline="0" dirty="0" smtClean="0"/>
+              <a:t>을 채울 수 있는 방법들에 대해 </a:t>
+            </a:r>
+            <a:r>
+              <a:rPr lang="en-US" altLang="ko-KR" baseline="0" dirty="0" smtClean="0"/>
+              <a:t>heuristic</a:t>
+            </a:r>
+            <a:r>
+              <a:rPr lang="ko-KR" altLang="en-US" baseline="0" dirty="0" smtClean="0"/>
+              <a:t>을 적용한다는 것임</a:t>
+            </a:r>
+            <a:r>
+              <a:rPr lang="en-US" altLang="ko-KR" baseline="0" dirty="0" smtClean="0"/>
+              <a:t>.   </a:t>
             </a:r>
             <a:endParaRPr lang="ko-KR" altLang="en-US" dirty="0"/>
           </a:p>
@@ -1079,25 +1115,471 @@
           <a:p>
             <a:r>
               <a:rPr lang="ko-KR" altLang="en-US" dirty="0" smtClean="0"/>
-              <a:t>핵심은</a:t>
+              <a:t>가장 답일 거 같은 것을 수행한다</a:t>
             </a:r>
             <a:r>
               <a:rPr lang="en-US" altLang="ko-KR" dirty="0" smtClean="0"/>
-              <a:t>, </a:t>
-            </a:r>
-            <a:r>
-              <a:rPr lang="en-US" altLang="ko-KR" dirty="0" err="1" smtClean="0"/>
-              <a:t>subproblem</a:t>
+              <a:t>. </a:t>
+            </a:r>
+          </a:p>
+          <a:p>
+            <a:r>
+              <a:rPr lang="en-US" altLang="ko-KR" dirty="0" smtClean="0"/>
+              <a:t>Optimal solution -&gt; </a:t>
             </a:r>
             <a:r>
               <a:rPr lang="ko-KR" altLang="en-US" dirty="0" smtClean="0"/>
-              <a:t>을 어떻게 많이 줄일 수 있을까 이다</a:t>
+              <a:t>가장 빽빽하게 </a:t>
+            </a:r>
+            <a:r>
+              <a:rPr lang="en-US" altLang="ko-KR" dirty="0" smtClean="0"/>
+              <a:t>bin</a:t>
+            </a:r>
+            <a:r>
+              <a:rPr lang="ko-KR" altLang="en-US" dirty="0" smtClean="0"/>
+              <a:t>들을 채워 나간다 </a:t>
+            </a:r>
+            <a:r>
+              <a:rPr lang="en-US" altLang="ko-KR" dirty="0" smtClean="0"/>
+              <a:t>&lt;-&gt;</a:t>
+            </a:r>
+            <a:r>
+              <a:rPr lang="en-US" altLang="ko-KR" baseline="0" dirty="0" smtClean="0"/>
+              <a:t> </a:t>
+            </a:r>
+            <a:r>
+              <a:rPr lang="ko-KR" altLang="en-US" baseline="0" dirty="0" smtClean="0"/>
+              <a:t>최소 </a:t>
+            </a:r>
+            <a:r>
+              <a:rPr lang="en-US" altLang="ko-KR" baseline="0" dirty="0" smtClean="0"/>
+              <a:t>bin</a:t>
+            </a:r>
+            <a:r>
+              <a:rPr lang="ko-KR" altLang="en-US" baseline="0" dirty="0" smtClean="0"/>
+              <a:t>들을 사용한다</a:t>
+            </a:r>
+            <a:r>
+              <a:rPr lang="en-US" altLang="ko-KR" baseline="0" dirty="0" smtClean="0"/>
+              <a:t>. </a:t>
+            </a:r>
+            <a:endParaRPr lang="en-US" altLang="ko-KR" dirty="0" smtClean="0"/>
+          </a:p>
+          <a:p>
+            <a:r>
+              <a:rPr lang="ko-KR" altLang="en-US" dirty="0" smtClean="0"/>
+              <a:t>여기서 사용하는 </a:t>
+            </a:r>
+            <a:r>
+              <a:rPr lang="en-US" altLang="ko-KR" dirty="0" smtClean="0"/>
+              <a:t>Heuristic</a:t>
+            </a:r>
+            <a:r>
+              <a:rPr lang="ko-KR" altLang="en-US" dirty="0" smtClean="0"/>
+              <a:t>에는 핵심은 다음과 같은 특성이 있다</a:t>
             </a:r>
             <a:r>
               <a:rPr lang="en-US" altLang="ko-KR" dirty="0" smtClean="0"/>
               <a:t>.</a:t>
             </a:r>
-            <a:endParaRPr lang="ko-KR" altLang="en-US" dirty="0"/>
+          </a:p>
+          <a:p>
+            <a:r>
+              <a:rPr lang="en-US" altLang="ko-KR" dirty="0" smtClean="0"/>
+              <a:t>=</a:t>
+            </a:r>
+            <a:r>
+              <a:rPr lang="en-US" altLang="ko-KR" baseline="0" dirty="0" smtClean="0"/>
+              <a:t> </a:t>
+            </a:r>
+            <a:r>
+              <a:rPr lang="ko-KR" altLang="en-US" baseline="0" dirty="0" smtClean="0"/>
+              <a:t>가능한 </a:t>
+            </a:r>
+            <a:r>
+              <a:rPr lang="ko-KR" altLang="en-US" dirty="0" smtClean="0"/>
+              <a:t>큰 조각을 사용해야 한다</a:t>
+            </a:r>
+            <a:r>
+              <a:rPr lang="en-US" altLang="ko-KR" dirty="0" smtClean="0"/>
+              <a:t>. </a:t>
+            </a:r>
+            <a:r>
+              <a:rPr lang="ko-KR" altLang="en-US" dirty="0" smtClean="0"/>
+              <a:t>작은 조각들을 좀 더 가치 있게 본다</a:t>
+            </a:r>
+            <a:r>
+              <a:rPr lang="en-US" altLang="ko-KR" dirty="0" smtClean="0"/>
+              <a:t>.-&gt; </a:t>
+            </a:r>
+            <a:r>
+              <a:rPr lang="ko-KR" altLang="en-US" dirty="0" smtClean="0"/>
+              <a:t>이러한 </a:t>
+            </a:r>
+            <a:r>
+              <a:rPr lang="en-US" altLang="ko-KR" dirty="0" smtClean="0"/>
+              <a:t>heuristic</a:t>
+            </a:r>
+            <a:r>
+              <a:rPr lang="ko-KR" altLang="en-US" dirty="0" smtClean="0"/>
+              <a:t>에 대해 사용할 수 있는 것이 </a:t>
+            </a:r>
+            <a:r>
+              <a:rPr lang="en-US" altLang="ko-KR" dirty="0" smtClean="0"/>
+              <a:t>dominance relation</a:t>
+            </a:r>
+            <a:r>
+              <a:rPr lang="ko-KR" altLang="en-US" dirty="0" smtClean="0"/>
+              <a:t>이다</a:t>
+            </a:r>
+            <a:r>
+              <a:rPr lang="en-US" altLang="ko-KR" dirty="0" smtClean="0"/>
+              <a:t>. </a:t>
+            </a:r>
+          </a:p>
+          <a:p>
+            <a:r>
+              <a:rPr lang="en-US" altLang="ko-KR" dirty="0" smtClean="0"/>
+              <a:t>= </a:t>
+            </a:r>
+            <a:r>
+              <a:rPr lang="ko-KR" altLang="en-US" dirty="0" smtClean="0"/>
+              <a:t>상자는 가능한 빽빽하게 채워야 한다</a:t>
+            </a:r>
+            <a:r>
+              <a:rPr lang="en-US" altLang="ko-KR" dirty="0" smtClean="0"/>
+              <a:t>. </a:t>
+            </a:r>
+            <a:r>
+              <a:rPr lang="ko-KR" altLang="en-US" dirty="0" smtClean="0"/>
+              <a:t>여기서 빽빽하게 채워 나간다는 면에서 </a:t>
+            </a:r>
+            <a:r>
+              <a:rPr lang="en-US" altLang="ko-KR" dirty="0" smtClean="0"/>
+              <a:t>BFD, </a:t>
+            </a:r>
+            <a:r>
+              <a:rPr lang="en-US" altLang="ko-KR" dirty="0" err="1" smtClean="0"/>
+              <a:t>FFD</a:t>
+            </a:r>
+            <a:r>
+              <a:rPr lang="en-US" altLang="ko-KR" baseline="0" dirty="0" smtClean="0"/>
+              <a:t> </a:t>
+            </a:r>
+            <a:r>
+              <a:rPr lang="ko-KR" altLang="en-US" baseline="0" dirty="0" smtClean="0"/>
+              <a:t>와 유사하다</a:t>
+            </a:r>
+            <a:r>
+              <a:rPr lang="en-US" altLang="ko-KR" baseline="0" dirty="0" smtClean="0"/>
+              <a:t>.</a:t>
+            </a:r>
+          </a:p>
+          <a:p>
+            <a:r>
+              <a:rPr lang="ko-KR" altLang="en-US" baseline="0" dirty="0" smtClean="0"/>
+              <a:t>하지만 </a:t>
+            </a:r>
+            <a:r>
+              <a:rPr lang="en-US" altLang="ko-KR" baseline="0" dirty="0" smtClean="0"/>
+              <a:t>BFD, </a:t>
+            </a:r>
+            <a:r>
+              <a:rPr lang="en-US" altLang="ko-KR" baseline="0" dirty="0" err="1" smtClean="0"/>
+              <a:t>FFD</a:t>
+            </a:r>
+            <a:r>
+              <a:rPr lang="ko-KR" altLang="en-US" baseline="0" dirty="0" smtClean="0"/>
+              <a:t>에서는 다음에 채워 </a:t>
+            </a:r>
+            <a:r>
+              <a:rPr lang="ko-KR" altLang="en-US" baseline="0" dirty="0" err="1" smtClean="0"/>
+              <a:t>나가야할</a:t>
+            </a:r>
+            <a:r>
+              <a:rPr lang="ko-KR" altLang="en-US" baseline="0" dirty="0" smtClean="0"/>
+              <a:t> 가지 수를 적게 보는 것이기 때문에</a:t>
+            </a:r>
+            <a:r>
+              <a:rPr lang="en-US" altLang="ko-KR" baseline="0" dirty="0" smtClean="0"/>
+              <a:t>, </a:t>
+            </a:r>
+            <a:r>
+              <a:rPr lang="ko-KR" altLang="en-US" baseline="0" dirty="0" smtClean="0"/>
+              <a:t>근사 알고리즘이 된다</a:t>
+            </a:r>
+            <a:r>
+              <a:rPr lang="en-US" altLang="ko-KR" baseline="0" dirty="0" smtClean="0"/>
+              <a:t>. </a:t>
+            </a:r>
+          </a:p>
+          <a:p>
+            <a:endParaRPr lang="en-US" altLang="ko-KR" baseline="0" dirty="0" smtClean="0"/>
+          </a:p>
+          <a:p>
+            <a:r>
+              <a:rPr lang="ko-KR" altLang="en-US" baseline="0" dirty="0" smtClean="0"/>
+              <a:t>가령 어떤 </a:t>
+            </a:r>
+            <a:r>
+              <a:rPr lang="en-US" altLang="ko-KR" baseline="0" dirty="0" smtClean="0"/>
+              <a:t>Bin</a:t>
+            </a:r>
+            <a:r>
+              <a:rPr lang="ko-KR" altLang="en-US" baseline="0" dirty="0" smtClean="0"/>
+              <a:t>을 채우는데 </a:t>
+            </a:r>
+            <a:r>
+              <a:rPr lang="en-US" altLang="ko-KR" baseline="0" dirty="0" smtClean="0"/>
+              <a:t>100</a:t>
+            </a:r>
+            <a:r>
+              <a:rPr lang="ko-KR" altLang="en-US" baseline="0" dirty="0" smtClean="0"/>
+              <a:t>이 남았다</a:t>
+            </a:r>
+            <a:r>
+              <a:rPr lang="en-US" altLang="ko-KR" baseline="0" dirty="0" smtClean="0"/>
+              <a:t>. </a:t>
+            </a:r>
+          </a:p>
+          <a:p>
+            <a:r>
+              <a:rPr lang="en-US" altLang="ko-KR" baseline="0" dirty="0" smtClean="0"/>
+              <a:t>{58, 45}</a:t>
+            </a:r>
+            <a:r>
+              <a:rPr lang="ko-KR" altLang="en-US" baseline="0" dirty="0" smtClean="0"/>
+              <a:t>을 먼저 하는 것이 좋을까</a:t>
+            </a:r>
+            <a:r>
+              <a:rPr lang="en-US" altLang="ko-KR" baseline="0" dirty="0" smtClean="0"/>
+              <a:t>, {67, 16}</a:t>
+            </a:r>
+            <a:r>
+              <a:rPr lang="ko-KR" altLang="en-US" baseline="0" dirty="0" smtClean="0"/>
+              <a:t>을 먼저 하는 것이 좋을까</a:t>
+            </a:r>
+            <a:r>
+              <a:rPr lang="en-US" altLang="ko-KR" baseline="0" dirty="0" smtClean="0"/>
+              <a:t>?</a:t>
+            </a:r>
+          </a:p>
+          <a:p>
+            <a:r>
+              <a:rPr lang="ko-KR" altLang="en-US" baseline="0" dirty="0" smtClean="0"/>
+              <a:t>이 경우</a:t>
+            </a:r>
+            <a:r>
+              <a:rPr lang="en-US" altLang="ko-KR" baseline="0" dirty="0" smtClean="0"/>
+              <a:t>, </a:t>
+            </a:r>
+            <a:r>
+              <a:rPr lang="ko-KR" altLang="en-US" baseline="0" dirty="0" smtClean="0"/>
+              <a:t>앞으로 </a:t>
+            </a:r>
+            <a:r>
+              <a:rPr lang="ko-KR" altLang="en-US" baseline="0" dirty="0" err="1" smtClean="0"/>
+              <a:t>채워야하는</a:t>
+            </a:r>
+            <a:r>
+              <a:rPr lang="ko-KR" altLang="en-US" baseline="0" dirty="0" smtClean="0"/>
+              <a:t> </a:t>
+            </a:r>
+            <a:r>
+              <a:rPr lang="en-US" altLang="ko-KR" baseline="0" dirty="0" smtClean="0"/>
+              <a:t>Volume </a:t>
+            </a:r>
+            <a:r>
+              <a:rPr lang="ko-KR" altLang="en-US" baseline="0" dirty="0" smtClean="0"/>
+              <a:t>값들의 조합에 대해 모두 탐색을 해야 그 결과를 알 수 있다</a:t>
+            </a:r>
+            <a:r>
+              <a:rPr lang="en-US" altLang="ko-KR" baseline="0" dirty="0" smtClean="0"/>
+              <a:t>. </a:t>
+            </a:r>
+          </a:p>
+          <a:p>
+            <a:endParaRPr lang="en-US" altLang="ko-KR" baseline="0" dirty="0" smtClean="0"/>
+          </a:p>
+          <a:p>
+            <a:r>
+              <a:rPr lang="ko-KR" altLang="en-US" baseline="0" dirty="0" smtClean="0"/>
+              <a:t>그렇다면 다시</a:t>
+            </a:r>
+            <a:r>
+              <a:rPr lang="en-US" altLang="ko-KR" baseline="0" dirty="0" smtClean="0"/>
+              <a:t>, 100</a:t>
+            </a:r>
+            <a:r>
+              <a:rPr lang="ko-KR" altLang="en-US" baseline="0" dirty="0" smtClean="0"/>
+              <a:t>을 채우는데 </a:t>
+            </a:r>
+            <a:r>
+              <a:rPr lang="en-US" altLang="ko-KR" baseline="0" dirty="0" smtClean="0"/>
+              <a:t>{58, 45} </a:t>
+            </a:r>
+            <a:r>
+              <a:rPr lang="ko-KR" altLang="en-US" baseline="0" dirty="0" smtClean="0"/>
+              <a:t>로 채우는 것이 좋을까 </a:t>
+            </a:r>
+            <a:r>
+              <a:rPr lang="en-US" altLang="ko-KR" baseline="0" dirty="0" smtClean="0"/>
+              <a:t>{57, 23, 22} </a:t>
+            </a:r>
+            <a:r>
+              <a:rPr lang="ko-KR" altLang="en-US" baseline="0" dirty="0" smtClean="0"/>
+              <a:t>로 채우는 것이 좋을 까</a:t>
+            </a:r>
+            <a:r>
+              <a:rPr lang="en-US" altLang="ko-KR" baseline="0" dirty="0" smtClean="0"/>
+              <a:t>?</a:t>
+            </a:r>
+          </a:p>
+          <a:p>
+            <a:r>
+              <a:rPr lang="en-US" altLang="ko-KR" baseline="0" dirty="0" smtClean="0"/>
+              <a:t>58, 45 </a:t>
+            </a:r>
+            <a:r>
+              <a:rPr lang="ko-KR" altLang="en-US" baseline="0" dirty="0" smtClean="0"/>
+              <a:t>로 채우는 것이 항상 유리하다</a:t>
+            </a:r>
+            <a:r>
+              <a:rPr lang="en-US" altLang="ko-KR" baseline="0" dirty="0" smtClean="0"/>
+              <a:t>.  </a:t>
+            </a:r>
+            <a:r>
+              <a:rPr lang="ko-KR" altLang="en-US" baseline="0" dirty="0" smtClean="0"/>
+              <a:t>진행 도중 어떤 </a:t>
+            </a:r>
+            <a:r>
+              <a:rPr lang="en-US" altLang="ko-KR" baseline="0" dirty="0" smtClean="0"/>
+              <a:t>bin</a:t>
+            </a:r>
+            <a:r>
+              <a:rPr lang="ko-KR" altLang="en-US" baseline="0" dirty="0" smtClean="0"/>
+              <a:t>의 여유 공간이 </a:t>
+            </a:r>
+            <a:r>
+              <a:rPr lang="en-US" altLang="ko-KR" baseline="0" dirty="0" smtClean="0"/>
+              <a:t>24</a:t>
+            </a:r>
+            <a:r>
+              <a:rPr lang="ko-KR" altLang="en-US" baseline="0" dirty="0" smtClean="0"/>
+              <a:t>가 남는 다면</a:t>
+            </a:r>
+            <a:r>
+              <a:rPr lang="en-US" altLang="ko-KR" baseline="0" dirty="0" smtClean="0"/>
+              <a:t>, 23 </a:t>
+            </a:r>
+            <a:r>
+              <a:rPr lang="ko-KR" altLang="en-US" baseline="0" dirty="0" smtClean="0"/>
+              <a:t>이나 </a:t>
+            </a:r>
+            <a:r>
+              <a:rPr lang="en-US" altLang="ko-KR" baseline="0" dirty="0" smtClean="0"/>
+              <a:t>22</a:t>
+            </a:r>
+            <a:r>
+              <a:rPr lang="ko-KR" altLang="en-US" baseline="0" dirty="0" smtClean="0"/>
+              <a:t>를 이때 사용할 수 있지만 </a:t>
+            </a:r>
+            <a:r>
+              <a:rPr lang="en-US" altLang="ko-KR" baseline="0" dirty="0" smtClean="0"/>
+              <a:t>45</a:t>
+            </a:r>
+            <a:r>
+              <a:rPr lang="ko-KR" altLang="en-US" baseline="0" dirty="0" smtClean="0"/>
+              <a:t>는 쓸 수 없기 </a:t>
+            </a:r>
+            <a:r>
+              <a:rPr lang="ko-KR" altLang="en-US" baseline="0" dirty="0" err="1" smtClean="0"/>
+              <a:t>떄문이다</a:t>
+            </a:r>
+            <a:r>
+              <a:rPr lang="en-US" altLang="ko-KR" baseline="0" dirty="0" smtClean="0"/>
+              <a:t>.</a:t>
+            </a:r>
+          </a:p>
+          <a:p>
+            <a:endParaRPr lang="en-US" altLang="ko-KR" baseline="0" dirty="0" smtClean="0"/>
+          </a:p>
+          <a:p>
+            <a:r>
+              <a:rPr lang="ko-KR" altLang="en-US" baseline="0" dirty="0" smtClean="0"/>
+              <a:t>이처럼 </a:t>
+            </a:r>
+            <a:r>
+              <a:rPr lang="en-US" altLang="ko-KR" baseline="0" dirty="0" smtClean="0"/>
+              <a:t>bin completion</a:t>
+            </a:r>
+            <a:r>
+              <a:rPr lang="ko-KR" altLang="en-US" baseline="0" dirty="0" smtClean="0"/>
+              <a:t>은 말 그대로 </a:t>
+            </a:r>
+            <a:r>
+              <a:rPr lang="en-US" altLang="ko-KR" baseline="0" dirty="0" smtClean="0"/>
+              <a:t>bin</a:t>
+            </a:r>
+            <a:r>
+              <a:rPr lang="ko-KR" altLang="en-US" baseline="0" dirty="0" smtClean="0"/>
+              <a:t>들을 채워 나갈 때 모든 조합을 탐색하고</a:t>
+            </a:r>
+            <a:r>
+              <a:rPr lang="en-US" altLang="ko-KR" baseline="0" dirty="0" smtClean="0"/>
+              <a:t>, </a:t>
+            </a:r>
+            <a:r>
+              <a:rPr lang="ko-KR" altLang="en-US" baseline="0" dirty="0" err="1" smtClean="0"/>
+              <a:t>휴리스틱에</a:t>
+            </a:r>
+            <a:r>
+              <a:rPr lang="ko-KR" altLang="en-US" baseline="0" dirty="0" smtClean="0"/>
+              <a:t> 가장 부합하는 거부터 채워 나가는 것이다</a:t>
+            </a:r>
+            <a:endParaRPr lang="en-US" altLang="ko-KR" baseline="0" dirty="0" smtClean="0"/>
+          </a:p>
+          <a:p>
+            <a:endParaRPr lang="en-US" altLang="ko-KR" baseline="0" dirty="0" smtClean="0"/>
+          </a:p>
+          <a:p>
+            <a:r>
+              <a:rPr lang="en-US" altLang="ko-KR" baseline="0" dirty="0" smtClean="0"/>
+              <a:t>58 45 /   67 16 </a:t>
+            </a:r>
+            <a:r>
+              <a:rPr lang="ko-KR" altLang="en-US" baseline="0" dirty="0" smtClean="0"/>
+              <a:t>같이 서로 우열을 가리기 힘든 조합이 나오면 이때는 </a:t>
+            </a:r>
+            <a:r>
+              <a:rPr lang="en-US" altLang="ko-KR" baseline="0" dirty="0" smtClean="0"/>
+              <a:t>2</a:t>
+            </a:r>
+            <a:r>
+              <a:rPr lang="ko-KR" altLang="en-US" baseline="0" dirty="0" smtClean="0"/>
+              <a:t>가지 </a:t>
+            </a:r>
+            <a:r>
+              <a:rPr lang="en-US" altLang="ko-KR" baseline="0" dirty="0" smtClean="0"/>
+              <a:t>case </a:t>
+            </a:r>
+            <a:r>
+              <a:rPr lang="ko-KR" altLang="en-US" baseline="0" dirty="0" smtClean="0"/>
+              <a:t>모두에 대해 탐색을 진행할 수 밖에 없다</a:t>
+            </a:r>
+            <a:r>
+              <a:rPr lang="en-US" altLang="ko-KR" baseline="0" dirty="0" smtClean="0"/>
+              <a:t>. </a:t>
+            </a:r>
+          </a:p>
+          <a:p>
+            <a:endParaRPr lang="en-US" altLang="ko-KR" baseline="0" dirty="0" smtClean="0"/>
+          </a:p>
+          <a:p>
+            <a:r>
+              <a:rPr lang="en-US" altLang="ko-KR" dirty="0" smtClean="0"/>
+              <a:t> </a:t>
+            </a:r>
           </a:p>
         </p:txBody>
       </p:sp>
@@ -1118,6 +1600,230 @@
           <a:p>
             <a:fld id="{A177756E-97BA-4EAD-8CFE-6C66D00843F5}" type="slidenum">
               <a:rPr lang="ko-KR" altLang="en-US" smtClean="0"/>
+              <a:t>28</a:t>
+            </a:fld>
+            <a:endParaRPr lang="ko-KR" altLang="en-US"/>
+          </a:p>
+        </p:txBody>
+      </p:sp>
+    </p:spTree>
+    <p:extLst>
+      <p:ext uri="{BB962C8B-B14F-4D97-AF65-F5344CB8AC3E}">
+        <p14:creationId xmlns:p14="http://schemas.microsoft.com/office/powerpoint/2010/main" val="3113080555"/>
+      </p:ext>
+    </p:extLst>
+  </p:cSld>
+  <p:clrMapOvr>
+    <a:masterClrMapping/>
+  </p:clrMapOvr>
+</p:notes>
+</file>
+
+<file path=ppt/notesSlides/notesSlide14.xml><?xml version="1.0" encoding="utf-8"?>
+<p:notes xmlns:a="http://schemas.openxmlformats.org/drawingml/2006/main" xmlns:r="http://schemas.openxmlformats.org/officeDocument/2006/relationships" xmlns:p="http://schemas.openxmlformats.org/presentationml/2006/main">
+  <p:cSld>
+    <p:spTree>
+      <p:nvGrpSpPr>
+        <p:cNvPr id="1" name=""/>
+        <p:cNvGrpSpPr/>
+        <p:nvPr/>
+      </p:nvGrpSpPr>
+      <p:grpSpPr>
+        <a:xfrm>
+          <a:off x="0" y="0"/>
+          <a:ext cx="0" cy="0"/>
+          <a:chOff x="0" y="0"/>
+          <a:chExt cx="0" cy="0"/>
+        </a:xfrm>
+      </p:grpSpPr>
+      <p:sp>
+        <p:nvSpPr>
+          <p:cNvPr id="2" name="슬라이드 이미지 개체 틀 1"/>
+          <p:cNvSpPr>
+            <a:spLocks noGrp="1" noRot="1" noChangeAspect="1"/>
+          </p:cNvSpPr>
+          <p:nvPr>
+            <p:ph type="sldImg"/>
+          </p:nvPr>
+        </p:nvSpPr>
+        <p:spPr/>
+      </p:sp>
+      <p:sp>
+        <p:nvSpPr>
+          <p:cNvPr id="3" name="슬라이드 노트 개체 틀 2"/>
+          <p:cNvSpPr>
+            <a:spLocks noGrp="1"/>
+          </p:cNvSpPr>
+          <p:nvPr>
+            <p:ph type="body" idx="1"/>
+          </p:nvPr>
+        </p:nvSpPr>
+        <p:spPr/>
+        <p:txBody>
+          <a:bodyPr/>
+          <a:lstStyle/>
+          <a:p>
+            <a:r>
+              <a:rPr lang="ko-KR" altLang="en-US" dirty="0" smtClean="0"/>
+              <a:t>탐색 도중 </a:t>
+            </a:r>
+            <a:r>
+              <a:rPr lang="en-US" altLang="ko-KR" dirty="0" smtClean="0"/>
+              <a:t>BFD</a:t>
+            </a:r>
+            <a:r>
+              <a:rPr lang="ko-KR" altLang="en-US" dirty="0" smtClean="0"/>
+              <a:t>보다 크게 되는 </a:t>
+            </a:r>
+            <a:r>
+              <a:rPr lang="ko-KR" altLang="en-US" dirty="0" err="1" smtClean="0"/>
+              <a:t>경우는항상</a:t>
+            </a:r>
+            <a:r>
+              <a:rPr lang="ko-KR" altLang="en-US" dirty="0" smtClean="0"/>
+              <a:t> </a:t>
+            </a:r>
+            <a:r>
+              <a:rPr lang="en-US" altLang="ko-KR" dirty="0" smtClean="0"/>
+              <a:t>BRANCH-BOUND</a:t>
+            </a:r>
+            <a:r>
+              <a:rPr lang="en-US" altLang="ko-KR" baseline="0" dirty="0" smtClean="0"/>
+              <a:t> </a:t>
+            </a:r>
+            <a:r>
+              <a:rPr lang="ko-KR" altLang="en-US" baseline="0" dirty="0" smtClean="0"/>
+              <a:t>할 수 있다</a:t>
+            </a:r>
+            <a:r>
+              <a:rPr lang="en-US" altLang="ko-KR" baseline="0" dirty="0" smtClean="0"/>
+              <a:t>.</a:t>
+            </a:r>
+            <a:endParaRPr lang="ko-KR" altLang="en-US" dirty="0"/>
+          </a:p>
+        </p:txBody>
+      </p:sp>
+      <p:sp>
+        <p:nvSpPr>
+          <p:cNvPr id="4" name="슬라이드 번호 개체 틀 3"/>
+          <p:cNvSpPr>
+            <a:spLocks noGrp="1"/>
+          </p:cNvSpPr>
+          <p:nvPr>
+            <p:ph type="sldNum" sz="quarter" idx="10"/>
+          </p:nvPr>
+        </p:nvSpPr>
+        <p:spPr/>
+        <p:txBody>
+          <a:bodyPr/>
+          <a:lstStyle/>
+          <a:p>
+            <a:fld id="{A177756E-97BA-4EAD-8CFE-6C66D00843F5}" type="slidenum">
+              <a:rPr lang="ko-KR" altLang="en-US" smtClean="0"/>
+              <a:t>29</a:t>
+            </a:fld>
+            <a:endParaRPr lang="ko-KR" altLang="en-US"/>
+          </a:p>
+        </p:txBody>
+      </p:sp>
+    </p:spTree>
+    <p:extLst>
+      <p:ext uri="{BB962C8B-B14F-4D97-AF65-F5344CB8AC3E}">
+        <p14:creationId xmlns:p14="http://schemas.microsoft.com/office/powerpoint/2010/main" val="263561471"/>
+      </p:ext>
+    </p:extLst>
+  </p:cSld>
+  <p:clrMapOvr>
+    <a:masterClrMapping/>
+  </p:clrMapOvr>
+</p:notes>
+</file>
+
+<file path=ppt/notesSlides/notesSlide15.xml><?xml version="1.0" encoding="utf-8"?>
+<p:notes xmlns:a="http://schemas.openxmlformats.org/drawingml/2006/main" xmlns:r="http://schemas.openxmlformats.org/officeDocument/2006/relationships" xmlns:p="http://schemas.openxmlformats.org/presentationml/2006/main">
+  <p:cSld>
+    <p:spTree>
+      <p:nvGrpSpPr>
+        <p:cNvPr id="1" name=""/>
+        <p:cNvGrpSpPr/>
+        <p:nvPr/>
+      </p:nvGrpSpPr>
+      <p:grpSpPr>
+        <a:xfrm>
+          <a:off x="0" y="0"/>
+          <a:ext cx="0" cy="0"/>
+          <a:chOff x="0" y="0"/>
+          <a:chExt cx="0" cy="0"/>
+        </a:xfrm>
+      </p:grpSpPr>
+      <p:sp>
+        <p:nvSpPr>
+          <p:cNvPr id="2" name="슬라이드 이미지 개체 틀 1"/>
+          <p:cNvSpPr>
+            <a:spLocks noGrp="1" noRot="1" noChangeAspect="1"/>
+          </p:cNvSpPr>
+          <p:nvPr>
+            <p:ph type="sldImg"/>
+          </p:nvPr>
+        </p:nvSpPr>
+        <p:spPr/>
+      </p:sp>
+      <p:sp>
+        <p:nvSpPr>
+          <p:cNvPr id="3" name="슬라이드 노트 개체 틀 2"/>
+          <p:cNvSpPr>
+            <a:spLocks noGrp="1"/>
+          </p:cNvSpPr>
+          <p:nvPr>
+            <p:ph type="body" idx="1"/>
+          </p:nvPr>
+        </p:nvSpPr>
+        <p:spPr/>
+        <p:txBody>
+          <a:bodyPr/>
+          <a:lstStyle/>
+          <a:p>
+            <a:r>
+              <a:rPr lang="ko-KR" altLang="en-US" dirty="0" smtClean="0"/>
+              <a:t>핵심은</a:t>
+            </a:r>
+            <a:r>
+              <a:rPr lang="en-US" altLang="ko-KR" dirty="0" smtClean="0"/>
+              <a:t>, </a:t>
+            </a:r>
+            <a:r>
+              <a:rPr lang="en-US" altLang="ko-KR" dirty="0" err="1" smtClean="0"/>
+              <a:t>subproblem</a:t>
+            </a:r>
+            <a:r>
+              <a:rPr lang="ko-KR" altLang="en-US" dirty="0" smtClean="0"/>
+              <a:t>을 어떻게 많이 줄일 수 있을까 이다</a:t>
+            </a:r>
+            <a:r>
+              <a:rPr lang="en-US" altLang="ko-KR" dirty="0" smtClean="0"/>
+              <a:t>.</a:t>
+            </a:r>
+            <a:endParaRPr lang="ko-KR" altLang="en-US" dirty="0"/>
+          </a:p>
+        </p:txBody>
+      </p:sp>
+      <p:sp>
+        <p:nvSpPr>
+          <p:cNvPr id="4" name="슬라이드 번호 개체 틀 3"/>
+          <p:cNvSpPr>
+            <a:spLocks noGrp="1"/>
+          </p:cNvSpPr>
+          <p:nvPr>
+            <p:ph type="sldNum" sz="quarter" idx="10"/>
+          </p:nvPr>
+        </p:nvSpPr>
+        <p:spPr/>
+        <p:txBody>
+          <a:bodyPr/>
+          <a:lstStyle/>
+          <a:p>
+            <a:fld id="{A177756E-97BA-4EAD-8CFE-6C66D00843F5}" type="slidenum">
+              <a:rPr lang="ko-KR" altLang="en-US" smtClean="0"/>
               <a:t>30</a:t>
             </a:fld>
             <a:endParaRPr lang="ko-KR" altLang="en-US"/>
@@ -1128,6 +1834,106 @@
     <p:extLst>
       <p:ext uri="{BB962C8B-B14F-4D97-AF65-F5344CB8AC3E}">
         <p14:creationId xmlns:p14="http://schemas.microsoft.com/office/powerpoint/2010/main" val="3705239007"/>
+      </p:ext>
+    </p:extLst>
+  </p:cSld>
+  <p:clrMapOvr>
+    <a:masterClrMapping/>
+  </p:clrMapOvr>
+</p:notes>
+</file>
+
+<file path=ppt/notesSlides/notesSlide16.xml><?xml version="1.0" encoding="utf-8"?>
+<p:notes xmlns:a="http://schemas.openxmlformats.org/drawingml/2006/main" xmlns:r="http://schemas.openxmlformats.org/officeDocument/2006/relationships" xmlns:p="http://schemas.openxmlformats.org/presentationml/2006/main">
+  <p:cSld>
+    <p:spTree>
+      <p:nvGrpSpPr>
+        <p:cNvPr id="1" name=""/>
+        <p:cNvGrpSpPr/>
+        <p:nvPr/>
+      </p:nvGrpSpPr>
+      <p:grpSpPr>
+        <a:xfrm>
+          <a:off x="0" y="0"/>
+          <a:ext cx="0" cy="0"/>
+          <a:chOff x="0" y="0"/>
+          <a:chExt cx="0" cy="0"/>
+        </a:xfrm>
+      </p:grpSpPr>
+      <p:sp>
+        <p:nvSpPr>
+          <p:cNvPr id="2" name="슬라이드 이미지 개체 틀 1"/>
+          <p:cNvSpPr>
+            <a:spLocks noGrp="1" noRot="1" noChangeAspect="1"/>
+          </p:cNvSpPr>
+          <p:nvPr>
+            <p:ph type="sldImg"/>
+          </p:nvPr>
+        </p:nvSpPr>
+        <p:spPr/>
+      </p:sp>
+      <p:sp>
+        <p:nvSpPr>
+          <p:cNvPr id="3" name="슬라이드 노트 개체 틀 2"/>
+          <p:cNvSpPr>
+            <a:spLocks noGrp="1"/>
+          </p:cNvSpPr>
+          <p:nvPr>
+            <p:ph type="body" idx="1"/>
+          </p:nvPr>
+        </p:nvSpPr>
+        <p:spPr/>
+        <p:txBody>
+          <a:bodyPr/>
+          <a:lstStyle/>
+          <a:p>
+            <a:r>
+              <a:rPr lang="en-US" altLang="ko-KR" dirty="0" err="1" smtClean="0"/>
+              <a:t>Approx</a:t>
+            </a:r>
+            <a:r>
+              <a:rPr lang="en-US" altLang="ko-KR" dirty="0" smtClean="0"/>
+              <a:t>,</a:t>
+            </a:r>
+            <a:r>
+              <a:rPr lang="en-US" altLang="ko-KR" baseline="0" dirty="0" smtClean="0"/>
+              <a:t> Optimal, Timer </a:t>
+            </a:r>
+            <a:r>
+              <a:rPr lang="ko-KR" altLang="en-US" baseline="0" dirty="0" smtClean="0"/>
+              <a:t>다 생각</a:t>
+            </a:r>
+            <a:endParaRPr lang="ko-KR" altLang="en-US" dirty="0"/>
+          </a:p>
+        </p:txBody>
+      </p:sp>
+      <p:sp>
+        <p:nvSpPr>
+          <p:cNvPr id="4" name="슬라이드 번호 개체 틀 3"/>
+          <p:cNvSpPr>
+            <a:spLocks noGrp="1"/>
+          </p:cNvSpPr>
+          <p:nvPr>
+            <p:ph type="sldNum" sz="quarter" idx="10"/>
+          </p:nvPr>
+        </p:nvSpPr>
+        <p:spPr/>
+        <p:txBody>
+          <a:bodyPr/>
+          <a:lstStyle/>
+          <a:p>
+            <a:fld id="{A177756E-97BA-4EAD-8CFE-6C66D00843F5}" type="slidenum">
+              <a:rPr lang="ko-KR" altLang="en-US" smtClean="0"/>
+              <a:t>32</a:t>
+            </a:fld>
+            <a:endParaRPr lang="ko-KR" altLang="en-US"/>
+          </a:p>
+        </p:txBody>
+      </p:sp>
+    </p:spTree>
+    <p:extLst>
+      <p:ext uri="{BB962C8B-B14F-4D97-AF65-F5344CB8AC3E}">
+        <p14:creationId xmlns:p14="http://schemas.microsoft.com/office/powerpoint/2010/main" val="1056089462"/>
       </p:ext>
     </p:extLst>
   </p:cSld>
@@ -7845,7 +8651,7 @@
           <a:p>
             <a:r>
               <a:rPr lang="en-US" altLang="ko-KR" dirty="0" smtClean="0"/>
-              <a:t>Bin - Completion</a:t>
+              <a:t>Bin Completion</a:t>
             </a:r>
             <a:endParaRPr lang="ko-KR" altLang="en-US" dirty="0"/>
           </a:p>
@@ -8403,10 +9209,6 @@
               <a:buChar char="-"/>
             </a:pPr>
             <a:r>
-              <a:rPr lang="en-US" altLang="ko-KR" dirty="0" smtClean="0"/>
-              <a:t>  </a:t>
-            </a:r>
-            <a:r>
               <a:rPr lang="ko-KR" altLang="en-US" dirty="0" smtClean="0"/>
               <a:t>최대 </a:t>
             </a:r>
@@ -8602,15 +9404,7 @@
             </a:r>
             <a:r>
               <a:rPr lang="ko-KR" altLang="en-US" dirty="0" smtClean="0"/>
-              <a:t>의 가장 </a:t>
-            </a:r>
-            <a:r>
-              <a:rPr lang="ko-KR" altLang="en-US" dirty="0" err="1" smtClean="0"/>
-              <a:t>큰수</a:t>
-            </a:r>
-            <a:r>
-              <a:rPr lang="ko-KR" altLang="en-US" dirty="0" smtClean="0"/>
-              <a:t> </a:t>
+              <a:t>의 가장 큰 수 </a:t>
             </a:r>
             <a:r>
               <a:rPr lang="en-US" altLang="ko-KR" dirty="0" smtClean="0"/>
@@ -8805,12 +9599,12 @@
               <a:t>를 </a:t>
             </a:r>
             <a:r>
-              <a:rPr lang="ko-KR" altLang="en-US" dirty="0" err="1" smtClean="0"/>
-              <a:t>안해도</a:t>
+              <a:rPr lang="en-US" altLang="ko-KR" dirty="0" smtClean="0"/>
+              <a:t>skip</a:t>
             </a:r>
             <a:r>
               <a:rPr lang="ko-KR" altLang="en-US" dirty="0" smtClean="0"/>
-              <a:t> 되게 한다</a:t>
+              <a:t>할 수 도 있다</a:t>
             </a:r>
             <a:r>
               <a:rPr lang="en-US" altLang="ko-KR" dirty="0" smtClean="0"/>
@@ -9059,40 +9853,66 @@
           <a:p>
             <a:r>
               <a:rPr lang="en-US" altLang="ko-KR" dirty="0" smtClean="0"/>
-              <a:t>Adapting algorithms(1)</a:t>
+              <a:t>Adapting algorithms</a:t>
             </a:r>
             <a:endParaRPr lang="ko-KR" altLang="en-US" dirty="0"/>
           </a:p>
         </p:txBody>
       </p:sp>
-      <p:sp>
-        <p:nvSpPr>
-          <p:cNvPr id="3" name="내용 개체 틀 2"/>
-          <p:cNvSpPr>
-            <a:spLocks noGrp="1"/>
-          </p:cNvSpPr>
-          <p:nvPr>
-            <p:ph idx="1"/>
-          </p:nvPr>
-        </p:nvSpPr>
-        <p:spPr/>
-        <p:txBody>
-          <a:bodyPr/>
-          <a:lstStyle/>
-          <a:p>
-            <a:r>
-              <a:rPr lang="en-US" altLang="ko-KR" dirty="0" smtClean="0"/>
-              <a:t>Logic</a:t>
-            </a:r>
-          </a:p>
-          <a:p>
-            <a:pPr marL="457200" lvl="1" indent="0">
-              <a:buNone/>
-            </a:pPr>
-            <a:endParaRPr lang="ko-KR" altLang="en-US" dirty="0"/>
-          </a:p>
-        </p:txBody>
-      </p:sp>
+      <p:pic>
+        <p:nvPicPr>
+          <p:cNvPr id="17410" name="Picture 2"/>
+          <p:cNvPicPr>
+            <a:picLocks noChangeAspect="1" noChangeArrowheads="1"/>
+          </p:cNvPicPr>
+          <p:nvPr/>
+        </p:nvPicPr>
+        <p:blipFill>
+          <a:blip r:embed="rId2">
+            <a:extLst>
+              <a:ext uri="{28A0092B-C50C-407E-A947-70E740481C1C}">
+                <a14:useLocalDpi xmlns:a14="http://schemas.microsoft.com/office/drawing/2010/main" val="0"/>
+              </a:ext>
+            </a:extLst>
+          </a:blip>
+          <a:srcRect/>
+          <a:stretch>
+            <a:fillRect/>
+          </a:stretch>
+        </p:blipFill>
+        <p:spPr bwMode="auto">
+          <a:xfrm>
+            <a:off x="859842" y="1196027"/>
+            <a:ext cx="7424315" cy="4253761"/>
+          </a:xfrm>
+          <a:prstGeom prst="rect">
+            <a:avLst/>
+          </a:prstGeom>
+          <a:noFill/>
+          <a:ln>
+            <a:noFill/>
+          </a:ln>
+          <a:extLst>
+            <a:ext uri="{909E8E84-426E-40DD-AFC4-6F175D3DCCD1}">
+              <a14:hiddenFill xmlns:a14="http://schemas.microsoft.com/office/drawing/2010/main">
+                <a:solidFill>
+                  <a:schemeClr val="accent1"/>
+                </a:solidFill>
+              </a14:hiddenFill>
+            </a:ext>
+            <a:ext uri="{91240B29-F687-4F45-9708-019B960494DF}">
+              <a14:hiddenLine xmlns:a14="http://schemas.microsoft.com/office/drawing/2010/main" w="9525">
+                <a:solidFill>
+                  <a:schemeClr val="tx1"/>
+                </a:solidFill>
+                <a:miter lim="800000"/>
+                <a:headEnd/>
+                <a:tailEnd/>
+              </a14:hiddenLine>
+            </a:ext>
+          </a:extLst>
+        </p:spPr>
+      </p:pic>
     </p:spTree>
     <p:extLst>
       <p:ext uri="{BB962C8B-B14F-4D97-AF65-F5344CB8AC3E}">
@@ -9156,7 +9976,7 @@
     </p:spTree>
     <p:extLst>
       <p:ext uri="{BB962C8B-B14F-4D97-AF65-F5344CB8AC3E}">
-        <p14:creationId xmlns:p14="http://schemas.microsoft.com/office/powerpoint/2010/main" val="453353025"/>
+        <p14:creationId xmlns:p14="http://schemas.microsoft.com/office/powerpoint/2010/main" val="525621452"/>
       </p:ext>
     </p:extLst>
   </p:cSld>
